--- a/Spiral1Presentation.pptx
+++ b/Spiral1Presentation.pptx
@@ -5,21 +5,22 @@
     <p:sldMasterId id="2147483654" r:id="rId1"/>
   </p:sldMasterIdLst>
   <p:notesMasterIdLst>
-    <p:notesMasterId r:id="rId14"/>
+    <p:notesMasterId r:id="rId15"/>
   </p:notesMasterIdLst>
   <p:sldIdLst>
-    <p:sldId id="256" r:id="rId2"/>
-    <p:sldId id="257" r:id="rId3"/>
-    <p:sldId id="258" r:id="rId4"/>
-    <p:sldId id="259" r:id="rId5"/>
-    <p:sldId id="260" r:id="rId6"/>
-    <p:sldId id="261" r:id="rId7"/>
-    <p:sldId id="262" r:id="rId8"/>
-    <p:sldId id="263" r:id="rId9"/>
-    <p:sldId id="264" r:id="rId10"/>
-    <p:sldId id="265" r:id="rId11"/>
-    <p:sldId id="266" r:id="rId12"/>
-    <p:sldId id="267" r:id="rId13"/>
+    <p:sldId id="268" r:id="rId2"/>
+    <p:sldId id="256" r:id="rId3"/>
+    <p:sldId id="257" r:id="rId4"/>
+    <p:sldId id="258" r:id="rId5"/>
+    <p:sldId id="259" r:id="rId6"/>
+    <p:sldId id="260" r:id="rId7"/>
+    <p:sldId id="261" r:id="rId8"/>
+    <p:sldId id="262" r:id="rId9"/>
+    <p:sldId id="263" r:id="rId10"/>
+    <p:sldId id="264" r:id="rId11"/>
+    <p:sldId id="265" r:id="rId12"/>
+    <p:sldId id="266" r:id="rId13"/>
+    <p:sldId id="267" r:id="rId14"/>
   </p:sldIdLst>
   <p:sldSz cx="9144000" cy="5143500" type="screen16x9"/>
   <p:notesSz cx="6858000" cy="9144000"/>
@@ -3961,6 +3962,471 @@
   <p:cSld>
     <p:bg>
       <p:bgPr>
+        <a:solidFill>
+          <a:schemeClr val="tx1"/>
+        </a:solidFill>
+        <a:effectLst/>
+      </p:bgPr>
+    </p:bg>
+    <p:spTree>
+      <p:nvGrpSpPr>
+        <p:cNvPr id="1" name=""/>
+        <p:cNvGrpSpPr/>
+        <p:nvPr/>
+      </p:nvGrpSpPr>
+      <p:grpSpPr>
+        <a:xfrm>
+          <a:off x="0" y="0"/>
+          <a:ext cx="0" cy="0"/>
+          <a:chOff x="0" y="0"/>
+          <a:chExt cx="0" cy="0"/>
+        </a:xfrm>
+      </p:grpSpPr>
+    </p:spTree>
+    <p:extLst>
+      <p:ext uri="{BB962C8B-B14F-4D97-AF65-F5344CB8AC3E}">
+        <p14:creationId xmlns:p14="http://schemas.microsoft.com/office/powerpoint/2010/main" val="1004470930"/>
+      </p:ext>
+    </p:extLst>
+  </p:cSld>
+  <p:clrMapOvr>
+    <a:masterClrMapping/>
+  </p:clrMapOvr>
+  <p:timing>
+    <p:tnLst>
+      <p:par>
+        <p:cTn xmlns:p14="http://schemas.microsoft.com/office/powerpoint/2010/main" id="1" dur="indefinite" restart="never" nodeType="tmRoot"/>
+      </p:par>
+    </p:tnLst>
+  </p:timing>
+</p:sld>
+</file>
+
+<file path=ppt/slides/slide10.xml><?xml version="1.0" encoding="utf-8"?>
+<p:sld xmlns:a="http://schemas.openxmlformats.org/drawingml/2006/main" xmlns:r="http://schemas.openxmlformats.org/officeDocument/2006/relationships" xmlns:p="http://schemas.openxmlformats.org/presentationml/2006/main">
+  <p:cSld>
+    <p:spTree>
+      <p:nvGrpSpPr>
+        <p:cNvPr id="1" name="Shape 78"/>
+        <p:cNvGrpSpPr/>
+        <p:nvPr/>
+      </p:nvGrpSpPr>
+      <p:grpSpPr>
+        <a:xfrm>
+          <a:off x="0" y="0"/>
+          <a:ext cx="0" cy="0"/>
+          <a:chOff x="0" y="0"/>
+          <a:chExt cx="0" cy="0"/>
+        </a:xfrm>
+      </p:grpSpPr>
+      <p:sp>
+        <p:nvSpPr>
+          <p:cNvPr id="79" name="Shape 79"/>
+          <p:cNvSpPr txBox="1">
+            <a:spLocks noGrp="1"/>
+          </p:cNvSpPr>
+          <p:nvPr>
+            <p:ph type="title"/>
+          </p:nvPr>
+        </p:nvSpPr>
+        <p:spPr>
+          <a:xfrm>
+            <a:off x="457200" y="205978"/>
+            <a:ext cx="8229600" cy="857400"/>
+          </a:xfrm>
+          <a:prstGeom prst="rect">
+            <a:avLst/>
+          </a:prstGeom>
+        </p:spPr>
+        <p:txBody>
+          <a:bodyPr lIns="91425" tIns="91425" rIns="91425" bIns="91425" anchor="b" anchorCtr="0">
+            <a:noAutofit/>
+          </a:bodyPr>
+          <a:lstStyle/>
+          <a:p>
+            <a:pPr lvl="0" rtl="0">
+              <a:spcBef>
+                <a:spcPts val="0"/>
+              </a:spcBef>
+              <a:buNone/>
+            </a:pPr>
+            <a:r>
+              <a:rPr lang="en">
+                <a:solidFill>
+                  <a:srgbClr val="F1C232"/>
+                </a:solidFill>
+              </a:rPr>
+              <a:t>Mockups - Add Car</a:t>
+            </a:r>
+          </a:p>
+        </p:txBody>
+      </p:sp>
+      <p:pic>
+        <p:nvPicPr>
+          <p:cNvPr id="80" name="Shape 80"/>
+          <p:cNvPicPr preferRelativeResize="0"/>
+          <p:nvPr/>
+        </p:nvPicPr>
+        <p:blipFill>
+          <a:blip r:embed="rId3">
+            <a:alphaModFix/>
+          </a:blip>
+          <a:stretch>
+            <a:fillRect/>
+          </a:stretch>
+        </p:blipFill>
+        <p:spPr>
+          <a:xfrm>
+            <a:off x="1919912" y="1063375"/>
+            <a:ext cx="5304162" cy="4080125"/>
+          </a:xfrm>
+          <a:prstGeom prst="rect">
+            <a:avLst/>
+          </a:prstGeom>
+          <a:noFill/>
+          <a:ln>
+            <a:noFill/>
+          </a:ln>
+        </p:spPr>
+      </p:pic>
+    </p:spTree>
+  </p:cSld>
+  <p:clrMapOvr>
+    <a:masterClrMapping/>
+  </p:clrMapOvr>
+  <p:transition xmlns:p14="http://schemas.microsoft.com/office/powerpoint/2010/main" spd="slow">
+    <p:fade/>
+  </p:transition>
+  <p:timing>
+    <p:tnLst>
+      <p:par>
+        <p:cTn xmlns:p14="http://schemas.microsoft.com/office/powerpoint/2010/main" id="1" dur="indefinite" restart="never" nodeType="tmRoot"/>
+      </p:par>
+    </p:tnLst>
+  </p:timing>
+</p:sld>
+</file>
+
+<file path=ppt/slides/slide11.xml><?xml version="1.0" encoding="utf-8"?>
+<p:sld xmlns:a="http://schemas.openxmlformats.org/drawingml/2006/main" xmlns:r="http://schemas.openxmlformats.org/officeDocument/2006/relationships" xmlns:p="http://schemas.openxmlformats.org/presentationml/2006/main">
+  <p:cSld>
+    <p:spTree>
+      <p:nvGrpSpPr>
+        <p:cNvPr id="1" name="Shape 84"/>
+        <p:cNvGrpSpPr/>
+        <p:nvPr/>
+      </p:nvGrpSpPr>
+      <p:grpSpPr>
+        <a:xfrm>
+          <a:off x="0" y="0"/>
+          <a:ext cx="0" cy="0"/>
+          <a:chOff x="0" y="0"/>
+          <a:chExt cx="0" cy="0"/>
+        </a:xfrm>
+      </p:grpSpPr>
+      <p:sp>
+        <p:nvSpPr>
+          <p:cNvPr id="85" name="Shape 85"/>
+          <p:cNvSpPr txBox="1">
+            <a:spLocks noGrp="1"/>
+          </p:cNvSpPr>
+          <p:nvPr>
+            <p:ph type="title"/>
+          </p:nvPr>
+        </p:nvSpPr>
+        <p:spPr>
+          <a:xfrm>
+            <a:off x="457200" y="205978"/>
+            <a:ext cx="8229600" cy="857400"/>
+          </a:xfrm>
+          <a:prstGeom prst="rect">
+            <a:avLst/>
+          </a:prstGeom>
+        </p:spPr>
+        <p:txBody>
+          <a:bodyPr lIns="91425" tIns="91425" rIns="91425" bIns="91425" anchor="b" anchorCtr="0">
+            <a:noAutofit/>
+          </a:bodyPr>
+          <a:lstStyle/>
+          <a:p>
+            <a:pPr lvl="0" rtl="0">
+              <a:spcBef>
+                <a:spcPts val="0"/>
+              </a:spcBef>
+              <a:buNone/>
+            </a:pPr>
+            <a:r>
+              <a:rPr lang="en">
+                <a:solidFill>
+                  <a:srgbClr val="F1C232"/>
+                </a:solidFill>
+              </a:rPr>
+              <a:t>Mockups - Account Approval</a:t>
+            </a:r>
+          </a:p>
+        </p:txBody>
+      </p:sp>
+      <p:pic>
+        <p:nvPicPr>
+          <p:cNvPr id="86" name="Shape 86"/>
+          <p:cNvPicPr preferRelativeResize="0"/>
+          <p:nvPr/>
+        </p:nvPicPr>
+        <p:blipFill>
+          <a:blip r:embed="rId3">
+            <a:alphaModFix/>
+          </a:blip>
+          <a:stretch>
+            <a:fillRect/>
+          </a:stretch>
+        </p:blipFill>
+        <p:spPr>
+          <a:xfrm>
+            <a:off x="1919912" y="1063375"/>
+            <a:ext cx="5304162" cy="4080125"/>
+          </a:xfrm>
+          <a:prstGeom prst="rect">
+            <a:avLst/>
+          </a:prstGeom>
+          <a:noFill/>
+          <a:ln>
+            <a:noFill/>
+          </a:ln>
+        </p:spPr>
+      </p:pic>
+    </p:spTree>
+  </p:cSld>
+  <p:clrMapOvr>
+    <a:masterClrMapping/>
+  </p:clrMapOvr>
+  <p:transition xmlns:p14="http://schemas.microsoft.com/office/powerpoint/2010/main" spd="slow">
+    <p:fade/>
+  </p:transition>
+  <p:timing>
+    <p:tnLst>
+      <p:par>
+        <p:cTn xmlns:p14="http://schemas.microsoft.com/office/powerpoint/2010/main" id="1" dur="indefinite" restart="never" nodeType="tmRoot"/>
+      </p:par>
+    </p:tnLst>
+  </p:timing>
+</p:sld>
+</file>
+
+<file path=ppt/slides/slide12.xml><?xml version="1.0" encoding="utf-8"?>
+<p:sld xmlns:a="http://schemas.openxmlformats.org/drawingml/2006/main" xmlns:r="http://schemas.openxmlformats.org/officeDocument/2006/relationships" xmlns:p="http://schemas.openxmlformats.org/presentationml/2006/main">
+  <p:cSld>
+    <p:spTree>
+      <p:nvGrpSpPr>
+        <p:cNvPr id="1" name="Shape 90"/>
+        <p:cNvGrpSpPr/>
+        <p:nvPr/>
+      </p:nvGrpSpPr>
+      <p:grpSpPr>
+        <a:xfrm>
+          <a:off x="0" y="0"/>
+          <a:ext cx="0" cy="0"/>
+          <a:chOff x="0" y="0"/>
+          <a:chExt cx="0" cy="0"/>
+        </a:xfrm>
+      </p:grpSpPr>
+      <p:sp>
+        <p:nvSpPr>
+          <p:cNvPr id="91" name="Shape 91"/>
+          <p:cNvSpPr txBox="1">
+            <a:spLocks noGrp="1"/>
+          </p:cNvSpPr>
+          <p:nvPr>
+            <p:ph type="title"/>
+          </p:nvPr>
+        </p:nvSpPr>
+        <p:spPr>
+          <a:xfrm>
+            <a:off x="457200" y="205978"/>
+            <a:ext cx="8229600" cy="857400"/>
+          </a:xfrm>
+          <a:prstGeom prst="rect">
+            <a:avLst/>
+          </a:prstGeom>
+        </p:spPr>
+        <p:txBody>
+          <a:bodyPr lIns="91425" tIns="91425" rIns="91425" bIns="91425" anchor="b" anchorCtr="0">
+            <a:noAutofit/>
+          </a:bodyPr>
+          <a:lstStyle/>
+          <a:p>
+            <a:pPr lvl="0" rtl="0">
+              <a:spcBef>
+                <a:spcPts val="0"/>
+              </a:spcBef>
+              <a:buNone/>
+            </a:pPr>
+            <a:r>
+              <a:rPr lang="en">
+                <a:solidFill>
+                  <a:srgbClr val="F1C232"/>
+                </a:solidFill>
+              </a:rPr>
+              <a:t>Mockups - Maintenance Log</a:t>
+            </a:r>
+          </a:p>
+        </p:txBody>
+      </p:sp>
+      <p:pic>
+        <p:nvPicPr>
+          <p:cNvPr id="92" name="Shape 92"/>
+          <p:cNvPicPr preferRelativeResize="0"/>
+          <p:nvPr/>
+        </p:nvPicPr>
+        <p:blipFill>
+          <a:blip r:embed="rId3">
+            <a:alphaModFix/>
+          </a:blip>
+          <a:stretch>
+            <a:fillRect/>
+          </a:stretch>
+        </p:blipFill>
+        <p:spPr>
+          <a:xfrm>
+            <a:off x="1919912" y="1063375"/>
+            <a:ext cx="5304162" cy="4080125"/>
+          </a:xfrm>
+          <a:prstGeom prst="rect">
+            <a:avLst/>
+          </a:prstGeom>
+          <a:noFill/>
+          <a:ln>
+            <a:noFill/>
+          </a:ln>
+        </p:spPr>
+      </p:pic>
+    </p:spTree>
+  </p:cSld>
+  <p:clrMapOvr>
+    <a:masterClrMapping/>
+  </p:clrMapOvr>
+  <p:transition xmlns:p14="http://schemas.microsoft.com/office/powerpoint/2010/main" spd="slow">
+    <p:fade/>
+  </p:transition>
+  <p:timing>
+    <p:tnLst>
+      <p:par>
+        <p:cTn xmlns:p14="http://schemas.microsoft.com/office/powerpoint/2010/main" id="1" dur="indefinite" restart="never" nodeType="tmRoot"/>
+      </p:par>
+    </p:tnLst>
+  </p:timing>
+</p:sld>
+</file>
+
+<file path=ppt/slides/slide13.xml><?xml version="1.0" encoding="utf-8"?>
+<p:sld xmlns:a="http://schemas.openxmlformats.org/drawingml/2006/main" xmlns:r="http://schemas.openxmlformats.org/officeDocument/2006/relationships" xmlns:p="http://schemas.openxmlformats.org/presentationml/2006/main">
+  <p:cSld>
+    <p:spTree>
+      <p:nvGrpSpPr>
+        <p:cNvPr id="1" name="Shape 96"/>
+        <p:cNvGrpSpPr/>
+        <p:nvPr/>
+      </p:nvGrpSpPr>
+      <p:grpSpPr>
+        <a:xfrm>
+          <a:off x="0" y="0"/>
+          <a:ext cx="0" cy="0"/>
+          <a:chOff x="0" y="0"/>
+          <a:chExt cx="0" cy="0"/>
+        </a:xfrm>
+      </p:grpSpPr>
+      <p:sp>
+        <p:nvSpPr>
+          <p:cNvPr id="97" name="Shape 97"/>
+          <p:cNvSpPr txBox="1">
+            <a:spLocks noGrp="1"/>
+          </p:cNvSpPr>
+          <p:nvPr>
+            <p:ph type="title"/>
+          </p:nvPr>
+        </p:nvSpPr>
+        <p:spPr>
+          <a:xfrm>
+            <a:off x="457200" y="205978"/>
+            <a:ext cx="8229600" cy="857400"/>
+          </a:xfrm>
+          <a:prstGeom prst="rect">
+            <a:avLst/>
+          </a:prstGeom>
+        </p:spPr>
+        <p:txBody>
+          <a:bodyPr lIns="91425" tIns="91425" rIns="91425" bIns="91425" anchor="b" anchorCtr="0">
+            <a:noAutofit/>
+          </a:bodyPr>
+          <a:lstStyle/>
+          <a:p>
+            <a:pPr lvl="0" rtl="0">
+              <a:spcBef>
+                <a:spcPts val="0"/>
+              </a:spcBef>
+              <a:buNone/>
+            </a:pPr>
+            <a:r>
+              <a:rPr lang="en">
+                <a:solidFill>
+                  <a:srgbClr val="F1C232"/>
+                </a:solidFill>
+              </a:rPr>
+              <a:t>Mockups - Car Profile (Admin)</a:t>
+            </a:r>
+          </a:p>
+        </p:txBody>
+      </p:sp>
+      <p:pic>
+        <p:nvPicPr>
+          <p:cNvPr id="98" name="Shape 98"/>
+          <p:cNvPicPr preferRelativeResize="0"/>
+          <p:nvPr/>
+        </p:nvPicPr>
+        <p:blipFill>
+          <a:blip r:embed="rId3">
+            <a:alphaModFix/>
+          </a:blip>
+          <a:stretch>
+            <a:fillRect/>
+          </a:stretch>
+        </p:blipFill>
+        <p:spPr>
+          <a:xfrm>
+            <a:off x="1919912" y="1063375"/>
+            <a:ext cx="5304162" cy="4080125"/>
+          </a:xfrm>
+          <a:prstGeom prst="rect">
+            <a:avLst/>
+          </a:prstGeom>
+          <a:noFill/>
+          <a:ln>
+            <a:noFill/>
+          </a:ln>
+        </p:spPr>
+      </p:pic>
+    </p:spTree>
+  </p:cSld>
+  <p:clrMapOvr>
+    <a:masterClrMapping/>
+  </p:clrMapOvr>
+  <p:transition xmlns:p14="http://schemas.microsoft.com/office/powerpoint/2010/main" spd="slow">
+    <p:fade/>
+  </p:transition>
+  <p:timing>
+    <p:tnLst>
+      <p:par>
+        <p:cTn xmlns:p14="http://schemas.microsoft.com/office/powerpoint/2010/main" id="1" dur="indefinite" restart="never" nodeType="tmRoot"/>
+      </p:par>
+    </p:tnLst>
+  </p:timing>
+</p:sld>
+</file>
+
+<file path=ppt/slides/slide2.xml><?xml version="1.0" encoding="utf-8"?>
+<p:sld xmlns:a="http://schemas.openxmlformats.org/drawingml/2006/main" xmlns:r="http://schemas.openxmlformats.org/officeDocument/2006/relationships" xmlns:p="http://schemas.openxmlformats.org/presentationml/2006/main">
+  <p:cSld>
+    <p:bg>
+      <p:bgPr>
         <a:blipFill>
           <a:blip r:embed="rId3">
             <a:alphaModFix/>
@@ -4018,13 +4484,18 @@
               <a:buNone/>
             </a:pPr>
             <a:r>
-              <a:rPr lang="en" sz="6000">
+              <a:rPr lang="en-US" sz="6000" dirty="0" smtClean="0">
                 <a:solidFill>
                   <a:srgbClr val="F1C232"/>
                 </a:solidFill>
               </a:rPr>
-              <a:t>Xeno</a:t>
+              <a:t>XENO</a:t>
             </a:r>
+            <a:endParaRPr lang="en" sz="6000" dirty="0">
+              <a:solidFill>
+                <a:srgbClr val="F1C232"/>
+              </a:solidFill>
+            </a:endParaRPr>
           </a:p>
         </p:txBody>
       </p:sp>
@@ -4213,307 +4684,20 @@
   <p:clrMapOvr>
     <a:masterClrMapping/>
   </p:clrMapOvr>
-  <p:transition spd="slow">
+  <p:transition xmlns:p14="http://schemas.microsoft.com/office/powerpoint/2010/main" spd="slow">
     <p:cut/>
   </p:transition>
+  <p:timing>
+    <p:tnLst>
+      <p:par>
+        <p:cTn xmlns:p14="http://schemas.microsoft.com/office/powerpoint/2010/main" id="1" dur="indefinite" restart="never" nodeType="tmRoot"/>
+      </p:par>
+    </p:tnLst>
+  </p:timing>
 </p:sld>
 </file>
 
-<file path=ppt/slides/slide10.xml><?xml version="1.0" encoding="utf-8"?>
-<p:sld xmlns:a="http://schemas.openxmlformats.org/drawingml/2006/main" xmlns:r="http://schemas.openxmlformats.org/officeDocument/2006/relationships" xmlns:p="http://schemas.openxmlformats.org/presentationml/2006/main">
-  <p:cSld>
-    <p:spTree>
-      <p:nvGrpSpPr>
-        <p:cNvPr id="1" name="Shape 84"/>
-        <p:cNvGrpSpPr/>
-        <p:nvPr/>
-      </p:nvGrpSpPr>
-      <p:grpSpPr>
-        <a:xfrm>
-          <a:off x="0" y="0"/>
-          <a:ext cx="0" cy="0"/>
-          <a:chOff x="0" y="0"/>
-          <a:chExt cx="0" cy="0"/>
-        </a:xfrm>
-      </p:grpSpPr>
-      <p:sp>
-        <p:nvSpPr>
-          <p:cNvPr id="85" name="Shape 85"/>
-          <p:cNvSpPr txBox="1">
-            <a:spLocks noGrp="1"/>
-          </p:cNvSpPr>
-          <p:nvPr>
-            <p:ph type="title"/>
-          </p:nvPr>
-        </p:nvSpPr>
-        <p:spPr>
-          <a:xfrm>
-            <a:off x="457200" y="205978"/>
-            <a:ext cx="8229600" cy="857400"/>
-          </a:xfrm>
-          <a:prstGeom prst="rect">
-            <a:avLst/>
-          </a:prstGeom>
-        </p:spPr>
-        <p:txBody>
-          <a:bodyPr lIns="91425" tIns="91425" rIns="91425" bIns="91425" anchor="b" anchorCtr="0">
-            <a:noAutofit/>
-          </a:bodyPr>
-          <a:lstStyle/>
-          <a:p>
-            <a:pPr lvl="0" rtl="0">
-              <a:spcBef>
-                <a:spcPts val="0"/>
-              </a:spcBef>
-              <a:buNone/>
-            </a:pPr>
-            <a:r>
-              <a:rPr lang="en">
-                <a:solidFill>
-                  <a:srgbClr val="F1C232"/>
-                </a:solidFill>
-              </a:rPr>
-              <a:t>Mockups - Account Approval</a:t>
-            </a:r>
-          </a:p>
-        </p:txBody>
-      </p:sp>
-      <p:pic>
-        <p:nvPicPr>
-          <p:cNvPr id="86" name="Shape 86"/>
-          <p:cNvPicPr preferRelativeResize="0"/>
-          <p:nvPr/>
-        </p:nvPicPr>
-        <p:blipFill>
-          <a:blip r:embed="rId3">
-            <a:alphaModFix/>
-          </a:blip>
-          <a:stretch>
-            <a:fillRect/>
-          </a:stretch>
-        </p:blipFill>
-        <p:spPr>
-          <a:xfrm>
-            <a:off x="1919912" y="1063375"/>
-            <a:ext cx="5304162" cy="4080125"/>
-          </a:xfrm>
-          <a:prstGeom prst="rect">
-            <a:avLst/>
-          </a:prstGeom>
-          <a:noFill/>
-          <a:ln>
-            <a:noFill/>
-          </a:ln>
-        </p:spPr>
-      </p:pic>
-    </p:spTree>
-  </p:cSld>
-  <p:clrMapOvr>
-    <a:masterClrMapping/>
-  </p:clrMapOvr>
-  <p:transition spd="slow">
-    <p:fade/>
-  </p:transition>
-</p:sld>
-</file>
-
-<file path=ppt/slides/slide11.xml><?xml version="1.0" encoding="utf-8"?>
-<p:sld xmlns:a="http://schemas.openxmlformats.org/drawingml/2006/main" xmlns:r="http://schemas.openxmlformats.org/officeDocument/2006/relationships" xmlns:p="http://schemas.openxmlformats.org/presentationml/2006/main">
-  <p:cSld>
-    <p:spTree>
-      <p:nvGrpSpPr>
-        <p:cNvPr id="1" name="Shape 90"/>
-        <p:cNvGrpSpPr/>
-        <p:nvPr/>
-      </p:nvGrpSpPr>
-      <p:grpSpPr>
-        <a:xfrm>
-          <a:off x="0" y="0"/>
-          <a:ext cx="0" cy="0"/>
-          <a:chOff x="0" y="0"/>
-          <a:chExt cx="0" cy="0"/>
-        </a:xfrm>
-      </p:grpSpPr>
-      <p:sp>
-        <p:nvSpPr>
-          <p:cNvPr id="91" name="Shape 91"/>
-          <p:cNvSpPr txBox="1">
-            <a:spLocks noGrp="1"/>
-          </p:cNvSpPr>
-          <p:nvPr>
-            <p:ph type="title"/>
-          </p:nvPr>
-        </p:nvSpPr>
-        <p:spPr>
-          <a:xfrm>
-            <a:off x="457200" y="205978"/>
-            <a:ext cx="8229600" cy="857400"/>
-          </a:xfrm>
-          <a:prstGeom prst="rect">
-            <a:avLst/>
-          </a:prstGeom>
-        </p:spPr>
-        <p:txBody>
-          <a:bodyPr lIns="91425" tIns="91425" rIns="91425" bIns="91425" anchor="b" anchorCtr="0">
-            <a:noAutofit/>
-          </a:bodyPr>
-          <a:lstStyle/>
-          <a:p>
-            <a:pPr lvl="0" rtl="0">
-              <a:spcBef>
-                <a:spcPts val="0"/>
-              </a:spcBef>
-              <a:buNone/>
-            </a:pPr>
-            <a:r>
-              <a:rPr lang="en">
-                <a:solidFill>
-                  <a:srgbClr val="F1C232"/>
-                </a:solidFill>
-              </a:rPr>
-              <a:t>Mockups - Maintenance Log</a:t>
-            </a:r>
-          </a:p>
-        </p:txBody>
-      </p:sp>
-      <p:pic>
-        <p:nvPicPr>
-          <p:cNvPr id="92" name="Shape 92"/>
-          <p:cNvPicPr preferRelativeResize="0"/>
-          <p:nvPr/>
-        </p:nvPicPr>
-        <p:blipFill>
-          <a:blip r:embed="rId3">
-            <a:alphaModFix/>
-          </a:blip>
-          <a:stretch>
-            <a:fillRect/>
-          </a:stretch>
-        </p:blipFill>
-        <p:spPr>
-          <a:xfrm>
-            <a:off x="1919912" y="1063375"/>
-            <a:ext cx="5304162" cy="4080125"/>
-          </a:xfrm>
-          <a:prstGeom prst="rect">
-            <a:avLst/>
-          </a:prstGeom>
-          <a:noFill/>
-          <a:ln>
-            <a:noFill/>
-          </a:ln>
-        </p:spPr>
-      </p:pic>
-    </p:spTree>
-  </p:cSld>
-  <p:clrMapOvr>
-    <a:masterClrMapping/>
-  </p:clrMapOvr>
-  <p:transition spd="slow">
-    <p:fade/>
-  </p:transition>
-</p:sld>
-</file>
-
-<file path=ppt/slides/slide12.xml><?xml version="1.0" encoding="utf-8"?>
-<p:sld xmlns:a="http://schemas.openxmlformats.org/drawingml/2006/main" xmlns:r="http://schemas.openxmlformats.org/officeDocument/2006/relationships" xmlns:p="http://schemas.openxmlformats.org/presentationml/2006/main">
-  <p:cSld>
-    <p:spTree>
-      <p:nvGrpSpPr>
-        <p:cNvPr id="1" name="Shape 96"/>
-        <p:cNvGrpSpPr/>
-        <p:nvPr/>
-      </p:nvGrpSpPr>
-      <p:grpSpPr>
-        <a:xfrm>
-          <a:off x="0" y="0"/>
-          <a:ext cx="0" cy="0"/>
-          <a:chOff x="0" y="0"/>
-          <a:chExt cx="0" cy="0"/>
-        </a:xfrm>
-      </p:grpSpPr>
-      <p:sp>
-        <p:nvSpPr>
-          <p:cNvPr id="97" name="Shape 97"/>
-          <p:cNvSpPr txBox="1">
-            <a:spLocks noGrp="1"/>
-          </p:cNvSpPr>
-          <p:nvPr>
-            <p:ph type="title"/>
-          </p:nvPr>
-        </p:nvSpPr>
-        <p:spPr>
-          <a:xfrm>
-            <a:off x="457200" y="205978"/>
-            <a:ext cx="8229600" cy="857400"/>
-          </a:xfrm>
-          <a:prstGeom prst="rect">
-            <a:avLst/>
-          </a:prstGeom>
-        </p:spPr>
-        <p:txBody>
-          <a:bodyPr lIns="91425" tIns="91425" rIns="91425" bIns="91425" anchor="b" anchorCtr="0">
-            <a:noAutofit/>
-          </a:bodyPr>
-          <a:lstStyle/>
-          <a:p>
-            <a:pPr lvl="0" rtl="0">
-              <a:spcBef>
-                <a:spcPts val="0"/>
-              </a:spcBef>
-              <a:buNone/>
-            </a:pPr>
-            <a:r>
-              <a:rPr lang="en">
-                <a:solidFill>
-                  <a:srgbClr val="F1C232"/>
-                </a:solidFill>
-              </a:rPr>
-              <a:t>Mockups - Car Profile (Admin)</a:t>
-            </a:r>
-          </a:p>
-        </p:txBody>
-      </p:sp>
-      <p:pic>
-        <p:nvPicPr>
-          <p:cNvPr id="98" name="Shape 98"/>
-          <p:cNvPicPr preferRelativeResize="0"/>
-          <p:nvPr/>
-        </p:nvPicPr>
-        <p:blipFill>
-          <a:blip r:embed="rId3">
-            <a:alphaModFix/>
-          </a:blip>
-          <a:stretch>
-            <a:fillRect/>
-          </a:stretch>
-        </p:blipFill>
-        <p:spPr>
-          <a:xfrm>
-            <a:off x="1919912" y="1063375"/>
-            <a:ext cx="5304162" cy="4080125"/>
-          </a:xfrm>
-          <a:prstGeom prst="rect">
-            <a:avLst/>
-          </a:prstGeom>
-          <a:noFill/>
-          <a:ln>
-            <a:noFill/>
-          </a:ln>
-        </p:spPr>
-      </p:pic>
-    </p:spTree>
-  </p:cSld>
-  <p:clrMapOvr>
-    <a:masterClrMapping/>
-  </p:clrMapOvr>
-  <p:transition spd="slow">
-    <p:fade/>
-  </p:transition>
-</p:sld>
-</file>
-
-<file path=ppt/slides/slide2.xml><?xml version="1.0" encoding="utf-8"?>
+<file path=ppt/slides/slide3.xml><?xml version="1.0" encoding="utf-8"?>
 <p:sld xmlns:a="http://schemas.openxmlformats.org/drawingml/2006/main" xmlns:r="http://schemas.openxmlformats.org/officeDocument/2006/relationships" xmlns:p="http://schemas.openxmlformats.org/presentationml/2006/main">
   <p:cSld>
     <p:spTree>
@@ -4604,12 +4788,44 @@
               <a:buNone/>
             </a:pPr>
             <a:r>
-              <a:rPr lang="en">
+              <a:rPr lang="en" dirty="0">
                 <a:solidFill>
                   <a:srgbClr val="E8CD6D"/>
                 </a:solidFill>
               </a:rPr>
-              <a:t>	Xeno is an exotic car rental service that allows users to experience the cars of their dreams. Through both the website and Twitter, registered users will be able to search for their desired car, reserve it, and interact with other users.</a:t>
+              <a:t>	</a:t>
+            </a:r>
+            <a:r>
+              <a:rPr lang="en" dirty="0" smtClean="0">
+                <a:solidFill>
+                  <a:srgbClr val="E8CD6D"/>
+                </a:solidFill>
+              </a:rPr>
+              <a:t>X</a:t>
+            </a:r>
+            <a:r>
+              <a:rPr lang="en-US" dirty="0" smtClean="0">
+                <a:solidFill>
+                  <a:srgbClr val="E8CD6D"/>
+                </a:solidFill>
+              </a:rPr>
+              <a:t>ENO</a:t>
+            </a:r>
+            <a:r>
+              <a:rPr lang="en" dirty="0" smtClean="0">
+                <a:solidFill>
+                  <a:srgbClr val="E8CD6D"/>
+                </a:solidFill>
+              </a:rPr>
+              <a:t> </a:t>
+            </a:r>
+            <a:r>
+              <a:rPr lang="en" dirty="0">
+                <a:solidFill>
+                  <a:srgbClr val="E8CD6D"/>
+                </a:solidFill>
+              </a:rPr>
+              <a:t>is an exotic car rental service that allows users to experience the cars of their dreams. Through both the website and Twitter, registered users will be able to search for their desired car, reserve it, and interact with other users.</a:t>
             </a:r>
           </a:p>
         </p:txBody>
@@ -4619,13 +4835,20 @@
   <p:clrMapOvr>
     <a:masterClrMapping/>
   </p:clrMapOvr>
-  <p:transition spd="slow">
+  <p:transition xmlns:p14="http://schemas.microsoft.com/office/powerpoint/2010/main" spd="slow">
     <p:fade/>
   </p:transition>
+  <p:timing>
+    <p:tnLst>
+      <p:par>
+        <p:cTn xmlns:p14="http://schemas.microsoft.com/office/powerpoint/2010/main" id="1" dur="indefinite" restart="never" nodeType="tmRoot"/>
+      </p:par>
+    </p:tnLst>
+  </p:timing>
 </p:sld>
 </file>
 
-<file path=ppt/slides/slide3.xml><?xml version="1.0" encoding="utf-8"?>
+<file path=ppt/slides/slide4.xml><?xml version="1.0" encoding="utf-8"?>
 <p:sld xmlns:a="http://schemas.openxmlformats.org/drawingml/2006/main" xmlns:r="http://schemas.openxmlformats.org/officeDocument/2006/relationships" xmlns:p="http://schemas.openxmlformats.org/presentationml/2006/main">
   <p:cSld>
     <p:spTree>
@@ -4721,13 +4944,48 @@
               <a:buChar char="●"/>
             </a:pPr>
             <a:r>
-              <a:rPr lang="en">
+              <a:rPr lang="en" dirty="0" smtClean="0">
                 <a:solidFill>
                   <a:srgbClr val="E8CD6D"/>
                 </a:solidFill>
               </a:rPr>
               <a:t>Flask</a:t>
             </a:r>
+            <a:endParaRPr lang="en-US" dirty="0" smtClean="0">
+              <a:solidFill>
+                <a:srgbClr val="E8CD6D"/>
+              </a:solidFill>
+            </a:endParaRPr>
+          </a:p>
+          <a:p>
+            <a:pPr marL="457200" indent="-419100">
+              <a:buClr>
+                <a:srgbClr val="E8CD6D"/>
+              </a:buClr>
+              <a:buFont typeface="Arial"/>
+              <a:buChar char="●"/>
+            </a:pPr>
+            <a:r>
+              <a:rPr lang="en-US" dirty="0">
+                <a:solidFill>
+                  <a:srgbClr val="E8CD6D"/>
+                </a:solidFill>
+              </a:rPr>
+              <a:t>Maria </a:t>
+            </a:r>
+            <a:r>
+              <a:rPr lang="en-US" dirty="0" smtClean="0">
+                <a:solidFill>
+                  <a:srgbClr val="E8CD6D"/>
+                </a:solidFill>
+              </a:rPr>
+              <a:t>DB</a:t>
+            </a:r>
+            <a:endParaRPr lang="en" dirty="0">
+              <a:solidFill>
+                <a:srgbClr val="E8CD6D"/>
+              </a:solidFill>
+            </a:endParaRPr>
           </a:p>
           <a:p>
             <a:pPr marL="457200" lvl="0" indent="-419100" rtl="0">
@@ -4742,13 +5000,34 @@
               <a:buChar char="●"/>
             </a:pPr>
             <a:r>
-              <a:rPr lang="en">
+              <a:rPr lang="en" dirty="0" smtClean="0">
                 <a:solidFill>
                   <a:srgbClr val="E8CD6D"/>
                 </a:solidFill>
               </a:rPr>
-              <a:t>Twitter API</a:t>
+              <a:t>HTML5 </a:t>
             </a:r>
+            <a:r>
+              <a:rPr lang="en" dirty="0">
+                <a:solidFill>
+                  <a:srgbClr val="E8CD6D"/>
+                </a:solidFill>
+              </a:rPr>
+              <a:t>&amp; </a:t>
+            </a:r>
+            <a:r>
+              <a:rPr lang="en" dirty="0" smtClean="0">
+                <a:solidFill>
+                  <a:srgbClr val="E8CD6D"/>
+                </a:solidFill>
+              </a:rPr>
+              <a:t>CSS</a:t>
+            </a:r>
+            <a:endParaRPr lang="en-US" dirty="0">
+              <a:solidFill>
+                <a:srgbClr val="E8CD6D"/>
+              </a:solidFill>
+            </a:endParaRPr>
           </a:p>
           <a:p>
             <a:pPr marL="457200" lvl="0" indent="-419100" rtl="0">
@@ -4763,13 +5042,48 @@
               <a:buChar char="●"/>
             </a:pPr>
             <a:r>
-              <a:rPr lang="en">
+              <a:rPr lang="en-US" dirty="0" err="1" smtClean="0">
                 <a:solidFill>
                   <a:srgbClr val="E8CD6D"/>
                 </a:solidFill>
               </a:rPr>
-              <a:t>HTML5 &amp; CSS</a:t>
+              <a:t>AngularJS</a:t>
             </a:r>
+            <a:endParaRPr lang="en-US" dirty="0" smtClean="0">
+              <a:solidFill>
+                <a:srgbClr val="E8CD6D"/>
+              </a:solidFill>
+            </a:endParaRPr>
+          </a:p>
+          <a:p>
+            <a:pPr marL="457200" indent="-419100">
+              <a:buClr>
+                <a:srgbClr val="E8CD6D"/>
+              </a:buClr>
+              <a:buFont typeface="Arial"/>
+              <a:buChar char="●"/>
+            </a:pPr>
+            <a:r>
+              <a:rPr lang="en" dirty="0">
+                <a:solidFill>
+                  <a:srgbClr val="E8CD6D"/>
+                </a:solidFill>
+              </a:rPr>
+              <a:t>Twitter </a:t>
+            </a:r>
+            <a:r>
+              <a:rPr lang="en" dirty="0" smtClean="0">
+                <a:solidFill>
+                  <a:srgbClr val="E8CD6D"/>
+                </a:solidFill>
+              </a:rPr>
+              <a:t>API</a:t>
+            </a:r>
+            <a:endParaRPr lang="en" dirty="0">
+              <a:solidFill>
+                <a:srgbClr val="E8CD6D"/>
+              </a:solidFill>
+            </a:endParaRPr>
           </a:p>
         </p:txBody>
       </p:sp>
@@ -4778,13 +5092,20 @@
   <p:clrMapOvr>
     <a:masterClrMapping/>
   </p:clrMapOvr>
-  <p:transition spd="slow">
+  <p:transition xmlns:p14="http://schemas.microsoft.com/office/powerpoint/2010/main" spd="slow">
     <p:fade/>
   </p:transition>
+  <p:timing>
+    <p:tnLst>
+      <p:par>
+        <p:cTn xmlns:p14="http://schemas.microsoft.com/office/powerpoint/2010/main" id="1" dur="indefinite" restart="never" nodeType="tmRoot"/>
+      </p:par>
+    </p:tnLst>
+  </p:timing>
 </p:sld>
 </file>
 
-<file path=ppt/slides/slide4.xml><?xml version="1.0" encoding="utf-8"?>
+<file path=ppt/slides/slide5.xml><?xml version="1.0" encoding="utf-8"?>
 <p:sld xmlns:a="http://schemas.openxmlformats.org/drawingml/2006/main" xmlns:r="http://schemas.openxmlformats.org/officeDocument/2006/relationships" xmlns:p="http://schemas.openxmlformats.org/presentationml/2006/main">
   <p:cSld>
     <p:spTree>
@@ -4880,13 +5201,18 @@
               <a:buChar char="●"/>
             </a:pPr>
             <a:r>
-              <a:rPr lang="en">
+              <a:rPr lang="en" dirty="0" smtClean="0">
                 <a:solidFill>
                   <a:srgbClr val="E8CD6D"/>
                 </a:solidFill>
               </a:rPr>
               <a:t>Sleek</a:t>
             </a:r>
+            <a:endParaRPr lang="en" dirty="0">
+              <a:solidFill>
+                <a:srgbClr val="E8CD6D"/>
+              </a:solidFill>
+            </a:endParaRPr>
           </a:p>
           <a:p>
             <a:pPr marL="457200" lvl="0" indent="-419100" rtl="0">
@@ -4901,13 +5227,18 @@
               <a:buChar char="●"/>
             </a:pPr>
             <a:r>
-              <a:rPr lang="en">
+              <a:rPr lang="en" dirty="0" smtClean="0">
                 <a:solidFill>
                   <a:srgbClr val="E8CD6D"/>
                 </a:solidFill>
               </a:rPr>
               <a:t>Minimalist</a:t>
             </a:r>
+            <a:endParaRPr lang="en" dirty="0">
+              <a:solidFill>
+                <a:srgbClr val="E8CD6D"/>
+              </a:solidFill>
+            </a:endParaRPr>
           </a:p>
           <a:p>
             <a:pPr marL="457200" lvl="0" indent="-419100" rtl="0">
@@ -4922,16 +5253,29 @@
               <a:buChar char="●"/>
             </a:pPr>
             <a:r>
-              <a:rPr lang="en">
+              <a:rPr lang="en" dirty="0">
                 <a:solidFill>
                   <a:srgbClr val="E8CD6D"/>
                 </a:solidFill>
               </a:rPr>
-              <a:t>Car of the Day</a:t>
+              <a:t>Car of the </a:t>
             </a:r>
+            <a:r>
+              <a:rPr lang="en" dirty="0" smtClean="0">
+                <a:solidFill>
+                  <a:srgbClr val="E8CD6D"/>
+                </a:solidFill>
+              </a:rPr>
+              <a:t>Day</a:t>
+            </a:r>
+            <a:endParaRPr lang="en-US" dirty="0">
+              <a:solidFill>
+                <a:srgbClr val="E8CD6D"/>
+              </a:solidFill>
+            </a:endParaRPr>
           </a:p>
           <a:p>
-            <a:pPr marL="457200" lvl="0" indent="-419100" rtl="0">
+            <a:pPr marL="38100" lvl="0" rtl="0">
               <a:spcBef>
                 <a:spcPts val="0"/>
               </a:spcBef>
@@ -4939,18 +5283,12 @@
                 <a:srgbClr val="E8CD6D"/>
               </a:buClr>
               <a:buSzPct val="100000"/>
-              <a:buFont typeface="Arial"/>
-              <a:buChar char="●"/>
             </a:pPr>
-            <a:r>
-              <a:rPr lang="en" u="sng">
-                <a:solidFill>
-                  <a:schemeClr val="hlink"/>
-                </a:solidFill>
-                <a:hlinkClick r:id="rId3"/>
-              </a:rPr>
-              <a:t>XENO</a:t>
-            </a:r>
+            <a:endParaRPr lang="en-US" dirty="0" smtClean="0">
+              <a:solidFill>
+                <a:srgbClr val="E8CD6D"/>
+              </a:solidFill>
+            </a:endParaRPr>
           </a:p>
         </p:txBody>
       </p:sp>
@@ -4959,13 +5297,20 @@
   <p:clrMapOvr>
     <a:masterClrMapping/>
   </p:clrMapOvr>
-  <p:transition spd="slow">
+  <p:transition xmlns:p14="http://schemas.microsoft.com/office/powerpoint/2010/main" spd="slow">
     <p:fade/>
   </p:transition>
+  <p:timing>
+    <p:tnLst>
+      <p:par>
+        <p:cTn xmlns:p14="http://schemas.microsoft.com/office/powerpoint/2010/main" id="1" dur="indefinite" restart="never" nodeType="tmRoot"/>
+      </p:par>
+    </p:tnLst>
+  </p:timing>
 </p:sld>
 </file>
 
-<file path=ppt/slides/slide5.xml><?xml version="1.0" encoding="utf-8"?>
+<file path=ppt/slides/slide6.xml><?xml version="1.0" encoding="utf-8"?>
 <p:sld xmlns:a="http://schemas.openxmlformats.org/drawingml/2006/main" xmlns:r="http://schemas.openxmlformats.org/officeDocument/2006/relationships" xmlns:p="http://schemas.openxmlformats.org/presentationml/2006/main">
   <p:cSld>
     <p:spTree>
@@ -5057,13 +5402,20 @@
   <p:clrMapOvr>
     <a:masterClrMapping/>
   </p:clrMapOvr>
-  <p:transition spd="slow">
+  <p:transition xmlns:p14="http://schemas.microsoft.com/office/powerpoint/2010/main" spd="slow">
     <p:fade/>
   </p:transition>
+  <p:timing>
+    <p:tnLst>
+      <p:par>
+        <p:cTn xmlns:p14="http://schemas.microsoft.com/office/powerpoint/2010/main" id="1" dur="indefinite" restart="never" nodeType="tmRoot"/>
+      </p:par>
+    </p:tnLst>
+  </p:timing>
 </p:sld>
 </file>
 
-<file path=ppt/slides/slide6.xml><?xml version="1.0" encoding="utf-8"?>
+<file path=ppt/slides/slide7.xml><?xml version="1.0" encoding="utf-8"?>
 <p:sld xmlns:a="http://schemas.openxmlformats.org/drawingml/2006/main" xmlns:r="http://schemas.openxmlformats.org/officeDocument/2006/relationships" xmlns:p="http://schemas.openxmlformats.org/presentationml/2006/main">
   <p:cSld>
     <p:spTree>
@@ -5155,13 +5507,20 @@
   <p:clrMapOvr>
     <a:masterClrMapping/>
   </p:clrMapOvr>
-  <p:transition spd="slow">
+  <p:transition xmlns:p14="http://schemas.microsoft.com/office/powerpoint/2010/main" spd="slow">
     <p:fade/>
   </p:transition>
+  <p:timing>
+    <p:tnLst>
+      <p:par>
+        <p:cTn xmlns:p14="http://schemas.microsoft.com/office/powerpoint/2010/main" id="1" dur="indefinite" restart="never" nodeType="tmRoot"/>
+      </p:par>
+    </p:tnLst>
+  </p:timing>
 </p:sld>
 </file>
 
-<file path=ppt/slides/slide7.xml><?xml version="1.0" encoding="utf-8"?>
+<file path=ppt/slides/slide8.xml><?xml version="1.0" encoding="utf-8"?>
 <p:sld xmlns:a="http://schemas.openxmlformats.org/drawingml/2006/main" xmlns:r="http://schemas.openxmlformats.org/officeDocument/2006/relationships" xmlns:p="http://schemas.openxmlformats.org/presentationml/2006/main">
   <p:cSld>
     <p:spTree>
@@ -5253,13 +5612,20 @@
   <p:clrMapOvr>
     <a:masterClrMapping/>
   </p:clrMapOvr>
-  <p:transition spd="slow">
+  <p:transition xmlns:p14="http://schemas.microsoft.com/office/powerpoint/2010/main" spd="slow">
     <p:fade/>
   </p:transition>
+  <p:timing>
+    <p:tnLst>
+      <p:par>
+        <p:cTn xmlns:p14="http://schemas.microsoft.com/office/powerpoint/2010/main" id="1" dur="indefinite" restart="never" nodeType="tmRoot"/>
+      </p:par>
+    </p:tnLst>
+  </p:timing>
 </p:sld>
 </file>
 
-<file path=ppt/slides/slide8.xml><?xml version="1.0" encoding="utf-8"?>
+<file path=ppt/slides/slide9.xml><?xml version="1.0" encoding="utf-8"?>
 <p:sld xmlns:a="http://schemas.openxmlformats.org/drawingml/2006/main" xmlns:r="http://schemas.openxmlformats.org/officeDocument/2006/relationships" xmlns:p="http://schemas.openxmlformats.org/presentationml/2006/main">
   <p:cSld>
     <p:spTree>
@@ -5351,107 +5717,16 @@
   <p:clrMapOvr>
     <a:masterClrMapping/>
   </p:clrMapOvr>
-  <p:transition spd="slow">
+  <p:transition xmlns:p14="http://schemas.microsoft.com/office/powerpoint/2010/main" spd="slow">
     <p:fade/>
   </p:transition>
-</p:sld>
-</file>
-
-<file path=ppt/slides/slide9.xml><?xml version="1.0" encoding="utf-8"?>
-<p:sld xmlns:a="http://schemas.openxmlformats.org/drawingml/2006/main" xmlns:r="http://schemas.openxmlformats.org/officeDocument/2006/relationships" xmlns:p="http://schemas.openxmlformats.org/presentationml/2006/main">
-  <p:cSld>
-    <p:spTree>
-      <p:nvGrpSpPr>
-        <p:cNvPr id="1" name="Shape 78"/>
-        <p:cNvGrpSpPr/>
-        <p:nvPr/>
-      </p:nvGrpSpPr>
-      <p:grpSpPr>
-        <a:xfrm>
-          <a:off x="0" y="0"/>
-          <a:ext cx="0" cy="0"/>
-          <a:chOff x="0" y="0"/>
-          <a:chExt cx="0" cy="0"/>
-        </a:xfrm>
-      </p:grpSpPr>
-      <p:sp>
-        <p:nvSpPr>
-          <p:cNvPr id="79" name="Shape 79"/>
-          <p:cNvSpPr txBox="1">
-            <a:spLocks noGrp="1"/>
-          </p:cNvSpPr>
-          <p:nvPr>
-            <p:ph type="title"/>
-          </p:nvPr>
-        </p:nvSpPr>
-        <p:spPr>
-          <a:xfrm>
-            <a:off x="457200" y="205978"/>
-            <a:ext cx="8229600" cy="857400"/>
-          </a:xfrm>
-          <a:prstGeom prst="rect">
-            <a:avLst/>
-          </a:prstGeom>
-        </p:spPr>
-        <p:txBody>
-          <a:bodyPr lIns="91425" tIns="91425" rIns="91425" bIns="91425" anchor="b" anchorCtr="0">
-            <a:noAutofit/>
-          </a:bodyPr>
-          <a:lstStyle/>
-          <a:p>
-            <a:pPr lvl="0" rtl="0">
-              <a:spcBef>
-                <a:spcPts val="0"/>
-              </a:spcBef>
-              <a:buNone/>
-            </a:pPr>
-            <a:r>
-              <a:rPr lang="en">
-                <a:solidFill>
-                  <a:srgbClr val="F1C232"/>
-                </a:solidFill>
-              </a:rPr>
-              <a:t>Mockups - Add Car</a:t>
-            </a:r>
-          </a:p>
-        </p:txBody>
-      </p:sp>
-      <p:pic>
-        <p:nvPicPr>
-          <p:cNvPr id="80" name="Shape 80"/>
-          <p:cNvPicPr preferRelativeResize="0"/>
-          <p:nvPr/>
-        </p:nvPicPr>
-        <p:blipFill>
-          <a:blip r:embed="rId3">
-            <a:alphaModFix/>
-          </a:blip>
-          <a:stretch>
-            <a:fillRect/>
-          </a:stretch>
-        </p:blipFill>
-        <p:spPr>
-          <a:xfrm>
-            <a:off x="1919912" y="1063375"/>
-            <a:ext cx="5304162" cy="4080125"/>
-          </a:xfrm>
-          <a:prstGeom prst="rect">
-            <a:avLst/>
-          </a:prstGeom>
-          <a:noFill/>
-          <a:ln>
-            <a:noFill/>
-          </a:ln>
-        </p:spPr>
-      </p:pic>
-    </p:spTree>
-  </p:cSld>
-  <p:clrMapOvr>
-    <a:masterClrMapping/>
-  </p:clrMapOvr>
-  <p:transition spd="slow">
-    <p:fade/>
-  </p:transition>
+  <p:timing>
+    <p:tnLst>
+      <p:par>
+        <p:cTn xmlns:p14="http://schemas.microsoft.com/office/powerpoint/2010/main" id="1" dur="indefinite" restart="never" nodeType="tmRoot"/>
+      </p:par>
+    </p:tnLst>
+  </p:timing>
 </p:sld>
 </file>
 
